--- a/Predicting_Hospital_Readmissions.pptx
+++ b/Predicting_Hospital_Readmissions.pptx
@@ -1007,8 +1007,8 @@
         </p:nvSpPr>
         <p:spPr>
           <a:xfrm>
-            <a:off x="6503154" y="0"/>
-            <a:ext cx="6502401" cy="4864100"/>
+            <a:off x="5463161" y="-90805"/>
+            <a:ext cx="8585201" cy="5043805"/>
           </a:xfrm>
           <a:prstGeom prst="rect">
             <a:avLst/>
@@ -1034,8 +1034,8 @@
         </p:nvSpPr>
         <p:spPr>
           <a:xfrm>
-            <a:off x="6502400" y="4902200"/>
-            <a:ext cx="6502400" cy="4864100"/>
+            <a:off x="5918717" y="4660900"/>
+            <a:ext cx="7669766" cy="5219700"/>
           </a:xfrm>
           <a:prstGeom prst="rect">
             <a:avLst/>
@@ -1061,8 +1061,8 @@
         </p:nvSpPr>
         <p:spPr>
           <a:xfrm>
-            <a:off x="0" y="0"/>
-            <a:ext cx="6468534" cy="9753600"/>
+            <a:off x="-1016000" y="-12700"/>
+            <a:ext cx="8860898" cy="9779000"/>
           </a:xfrm>
           <a:prstGeom prst="rect">
             <a:avLst/>
@@ -1511,8 +1511,8 @@
         </p:nvSpPr>
         <p:spPr>
           <a:xfrm>
-            <a:off x="0" y="0"/>
-            <a:ext cx="5486400" cy="9753600"/>
+            <a:off x="-1016000" y="-12700"/>
+            <a:ext cx="8860898" cy="9779000"/>
           </a:xfrm>
           <a:prstGeom prst="rect">
             <a:avLst/>
@@ -1642,8 +1642,8 @@
         </p:nvSpPr>
         <p:spPr>
           <a:xfrm>
-            <a:off x="0" y="0"/>
-            <a:ext cx="13004800" cy="9753600"/>
+            <a:off x="-914400" y="-12700"/>
+            <a:ext cx="14814645" cy="9779000"/>
           </a:xfrm>
           <a:prstGeom prst="rect">
             <a:avLst/>
@@ -1827,8 +1827,8 @@
         </p:nvSpPr>
         <p:spPr>
           <a:xfrm>
-            <a:off x="0" y="0"/>
-            <a:ext cx="13004800" cy="9753600"/>
+            <a:off x="-914400" y="-12700"/>
+            <a:ext cx="14814645" cy="9779000"/>
           </a:xfrm>
           <a:prstGeom prst="rect">
             <a:avLst/>
@@ -2578,8 +2578,8 @@
         </p:nvSpPr>
         <p:spPr>
           <a:xfrm>
-            <a:off x="0" y="0"/>
-            <a:ext cx="5486400" cy="9753600"/>
+            <a:off x="-1016000" y="-12700"/>
+            <a:ext cx="8860898" cy="9779000"/>
           </a:xfrm>
           <a:prstGeom prst="rect">
             <a:avLst/>
@@ -3429,13 +3429,13 @@
           <p:cNvPr id="92" name="Image"/>
           <p:cNvSpPr/>
           <p:nvPr>
-            <p:ph type="pic" sz="half" idx="14"/>
+            <p:ph type="pic" idx="14"/>
           </p:nvPr>
         </p:nvSpPr>
         <p:spPr>
           <a:xfrm>
-            <a:off x="7112000" y="1536700"/>
-            <a:ext cx="5486400" cy="7797800"/>
+            <a:off x="6665377" y="1219200"/>
+            <a:ext cx="7445457" cy="8216900"/>
           </a:xfrm>
           <a:prstGeom prst="rect">
             <a:avLst/>
@@ -3850,9 +3850,6 @@
         <a:buNone/>
         <a:tabLst/>
         <a:defRPr b="0" baseline="0" cap="all" i="0" spc="0" strike="noStrike" sz="6000" u="none">
-          <a:ln>
-            <a:noFill/>
-          </a:ln>
           <a:solidFill>
             <a:schemeClr val="accent1"/>
           </a:solidFill>
@@ -3879,9 +3876,6 @@
         <a:buNone/>
         <a:tabLst/>
         <a:defRPr b="0" baseline="0" cap="all" i="0" spc="0" strike="noStrike" sz="6000" u="none">
-          <a:ln>
-            <a:noFill/>
-          </a:ln>
           <a:solidFill>
             <a:schemeClr val="accent1"/>
           </a:solidFill>
@@ -3908,9 +3902,6 @@
         <a:buNone/>
         <a:tabLst/>
         <a:defRPr b="0" baseline="0" cap="all" i="0" spc="0" strike="noStrike" sz="6000" u="none">
-          <a:ln>
-            <a:noFill/>
-          </a:ln>
           <a:solidFill>
             <a:schemeClr val="accent1"/>
           </a:solidFill>
@@ -3937,9 +3928,6 @@
         <a:buNone/>
         <a:tabLst/>
         <a:defRPr b="0" baseline="0" cap="all" i="0" spc="0" strike="noStrike" sz="6000" u="none">
-          <a:ln>
-            <a:noFill/>
-          </a:ln>
           <a:solidFill>
             <a:schemeClr val="accent1"/>
           </a:solidFill>
@@ -3966,9 +3954,6 @@
         <a:buNone/>
         <a:tabLst/>
         <a:defRPr b="0" baseline="0" cap="all" i="0" spc="0" strike="noStrike" sz="6000" u="none">
-          <a:ln>
-            <a:noFill/>
-          </a:ln>
           <a:solidFill>
             <a:schemeClr val="accent1"/>
           </a:solidFill>
@@ -3995,9 +3980,6 @@
         <a:buNone/>
         <a:tabLst/>
         <a:defRPr b="0" baseline="0" cap="all" i="0" spc="0" strike="noStrike" sz="6000" u="none">
-          <a:ln>
-            <a:noFill/>
-          </a:ln>
           <a:solidFill>
             <a:schemeClr val="accent1"/>
           </a:solidFill>
@@ -4024,9 +4006,6 @@
         <a:buNone/>
         <a:tabLst/>
         <a:defRPr b="0" baseline="0" cap="all" i="0" spc="0" strike="noStrike" sz="6000" u="none">
-          <a:ln>
-            <a:noFill/>
-          </a:ln>
           <a:solidFill>
             <a:schemeClr val="accent1"/>
           </a:solidFill>
@@ -4053,9 +4032,6 @@
         <a:buNone/>
         <a:tabLst/>
         <a:defRPr b="0" baseline="0" cap="all" i="0" spc="0" strike="noStrike" sz="6000" u="none">
-          <a:ln>
-            <a:noFill/>
-          </a:ln>
           <a:solidFill>
             <a:schemeClr val="accent1"/>
           </a:solidFill>
@@ -4082,9 +4058,6 @@
         <a:buNone/>
         <a:tabLst/>
         <a:defRPr b="0" baseline="0" cap="all" i="0" spc="0" strike="noStrike" sz="6000" u="none">
-          <a:ln>
-            <a:noFill/>
-          </a:ln>
           <a:solidFill>
             <a:schemeClr val="accent1"/>
           </a:solidFill>
@@ -4097,7 +4070,7 @@
       </a:lvl9pPr>
     </p:titleStyle>
     <p:bodyStyle>
-      <a:lvl1pPr marL="444500" marR="0" indent="-444500" algn="l" defTabSz="584200" latinLnBrk="0">
+      <a:lvl1pPr marL="444500" marR="0" indent="-444500" algn="l" defTabSz="584200" rtl="0" latinLnBrk="0">
         <a:lnSpc>
           <a:spcPct val="100000"/>
         </a:lnSpc>
@@ -4117,9 +4090,6 @@
         <a:buChar char="‣"/>
         <a:tabLst/>
         <a:defRPr b="0" baseline="0" cap="none" i="0" spc="0" strike="noStrike" sz="3400" u="none">
-          <a:ln>
-            <a:noFill/>
-          </a:ln>
           <a:solidFill>
             <a:srgbClr val="838787"/>
           </a:solidFill>
@@ -4130,7 +4100,7 @@
           <a:sym typeface="Avenir Next Medium"/>
         </a:defRPr>
       </a:lvl1pPr>
-      <a:lvl2pPr marL="889000" marR="0" indent="-444500" algn="l" defTabSz="584200" latinLnBrk="0">
+      <a:lvl2pPr marL="889000" marR="0" indent="-444500" algn="l" defTabSz="584200" rtl="0" latinLnBrk="0">
         <a:lnSpc>
           <a:spcPct val="100000"/>
         </a:lnSpc>
@@ -4150,9 +4120,6 @@
         <a:buChar char="‣"/>
         <a:tabLst/>
         <a:defRPr b="0" baseline="0" cap="none" i="0" spc="0" strike="noStrike" sz="3400" u="none">
-          <a:ln>
-            <a:noFill/>
-          </a:ln>
           <a:solidFill>
             <a:srgbClr val="838787"/>
           </a:solidFill>
@@ -4163,7 +4130,7 @@
           <a:sym typeface="Avenir Next Medium"/>
         </a:defRPr>
       </a:lvl2pPr>
-      <a:lvl3pPr marL="1333500" marR="0" indent="-444500" algn="l" defTabSz="584200" latinLnBrk="0">
+      <a:lvl3pPr marL="1333500" marR="0" indent="-444500" algn="l" defTabSz="584200" rtl="0" latinLnBrk="0">
         <a:lnSpc>
           <a:spcPct val="100000"/>
         </a:lnSpc>
@@ -4183,9 +4150,6 @@
         <a:buChar char="‣"/>
         <a:tabLst/>
         <a:defRPr b="0" baseline="0" cap="none" i="0" spc="0" strike="noStrike" sz="3400" u="none">
-          <a:ln>
-            <a:noFill/>
-          </a:ln>
           <a:solidFill>
             <a:srgbClr val="838787"/>
           </a:solidFill>
@@ -4196,7 +4160,7 @@
           <a:sym typeface="Avenir Next Medium"/>
         </a:defRPr>
       </a:lvl3pPr>
-      <a:lvl4pPr marL="1778000" marR="0" indent="-444500" algn="l" defTabSz="584200" latinLnBrk="0">
+      <a:lvl4pPr marL="1778000" marR="0" indent="-444500" algn="l" defTabSz="584200" rtl="0" latinLnBrk="0">
         <a:lnSpc>
           <a:spcPct val="100000"/>
         </a:lnSpc>
@@ -4216,9 +4180,6 @@
         <a:buChar char="‣"/>
         <a:tabLst/>
         <a:defRPr b="0" baseline="0" cap="none" i="0" spc="0" strike="noStrike" sz="3400" u="none">
-          <a:ln>
-            <a:noFill/>
-          </a:ln>
           <a:solidFill>
             <a:srgbClr val="838787"/>
           </a:solidFill>
@@ -4229,7 +4190,7 @@
           <a:sym typeface="Avenir Next Medium"/>
         </a:defRPr>
       </a:lvl4pPr>
-      <a:lvl5pPr marL="2222500" marR="0" indent="-444500" algn="l" defTabSz="584200" latinLnBrk="0">
+      <a:lvl5pPr marL="2222500" marR="0" indent="-444500" algn="l" defTabSz="584200" rtl="0" latinLnBrk="0">
         <a:lnSpc>
           <a:spcPct val="100000"/>
         </a:lnSpc>
@@ -4249,9 +4210,6 @@
         <a:buChar char="‣"/>
         <a:tabLst/>
         <a:defRPr b="0" baseline="0" cap="none" i="0" spc="0" strike="noStrike" sz="3400" u="none">
-          <a:ln>
-            <a:noFill/>
-          </a:ln>
           <a:solidFill>
             <a:srgbClr val="838787"/>
           </a:solidFill>
@@ -4262,7 +4220,7 @@
           <a:sym typeface="Avenir Next Medium"/>
         </a:defRPr>
       </a:lvl5pPr>
-      <a:lvl6pPr marL="2667000" marR="0" indent="-444500" algn="l" defTabSz="584200" latinLnBrk="0">
+      <a:lvl6pPr marL="2667000" marR="0" indent="-444500" algn="l" defTabSz="584200" rtl="0" latinLnBrk="0">
         <a:lnSpc>
           <a:spcPct val="100000"/>
         </a:lnSpc>
@@ -4282,9 +4240,6 @@
         <a:buChar char="‣"/>
         <a:tabLst/>
         <a:defRPr b="0" baseline="0" cap="none" i="0" spc="0" strike="noStrike" sz="3400" u="none">
-          <a:ln>
-            <a:noFill/>
-          </a:ln>
           <a:solidFill>
             <a:srgbClr val="838787"/>
           </a:solidFill>
@@ -4295,7 +4250,7 @@
           <a:sym typeface="Avenir Next Medium"/>
         </a:defRPr>
       </a:lvl6pPr>
-      <a:lvl7pPr marL="3111500" marR="0" indent="-444500" algn="l" defTabSz="584200" latinLnBrk="0">
+      <a:lvl7pPr marL="3111500" marR="0" indent="-444500" algn="l" defTabSz="584200" rtl="0" latinLnBrk="0">
         <a:lnSpc>
           <a:spcPct val="100000"/>
         </a:lnSpc>
@@ -4315,9 +4270,6 @@
         <a:buChar char="‣"/>
         <a:tabLst/>
         <a:defRPr b="0" baseline="0" cap="none" i="0" spc="0" strike="noStrike" sz="3400" u="none">
-          <a:ln>
-            <a:noFill/>
-          </a:ln>
           <a:solidFill>
             <a:srgbClr val="838787"/>
           </a:solidFill>
@@ -4328,7 +4280,7 @@
           <a:sym typeface="Avenir Next Medium"/>
         </a:defRPr>
       </a:lvl7pPr>
-      <a:lvl8pPr marL="3556000" marR="0" indent="-444500" algn="l" defTabSz="584200" latinLnBrk="0">
+      <a:lvl8pPr marL="3556000" marR="0" indent="-444500" algn="l" defTabSz="584200" rtl="0" latinLnBrk="0">
         <a:lnSpc>
           <a:spcPct val="100000"/>
         </a:lnSpc>
@@ -4348,9 +4300,6 @@
         <a:buChar char="‣"/>
         <a:tabLst/>
         <a:defRPr b="0" baseline="0" cap="none" i="0" spc="0" strike="noStrike" sz="3400" u="none">
-          <a:ln>
-            <a:noFill/>
-          </a:ln>
           <a:solidFill>
             <a:srgbClr val="838787"/>
           </a:solidFill>
@@ -4361,7 +4310,7 @@
           <a:sym typeface="Avenir Next Medium"/>
         </a:defRPr>
       </a:lvl8pPr>
-      <a:lvl9pPr marL="4000500" marR="0" indent="-444500" algn="l" defTabSz="584200" latinLnBrk="0">
+      <a:lvl9pPr marL="4000500" marR="0" indent="-444500" algn="l" defTabSz="584200" rtl="0" latinLnBrk="0">
         <a:lnSpc>
           <a:spcPct val="100000"/>
         </a:lnSpc>
@@ -4381,9 +4330,6 @@
         <a:buChar char="‣"/>
         <a:tabLst/>
         <a:defRPr b="0" baseline="0" cap="none" i="0" spc="0" strike="noStrike" sz="3400" u="none">
-          <a:ln>
-            <a:noFill/>
-          </a:ln>
           <a:solidFill>
             <a:srgbClr val="838787"/>
           </a:solidFill>
@@ -4412,9 +4358,6 @@
         <a:buNone/>
         <a:tabLst/>
         <a:defRPr b="0" baseline="0" cap="none" i="0" spc="0" strike="noStrike" sz="2400" u="none">
-          <a:ln>
-            <a:noFill/>
-          </a:ln>
           <a:solidFill>
             <a:schemeClr val="tx1"/>
           </a:solidFill>
@@ -4441,9 +4384,6 @@
         <a:buNone/>
         <a:tabLst/>
         <a:defRPr b="0" baseline="0" cap="none" i="0" spc="0" strike="noStrike" sz="2400" u="none">
-          <a:ln>
-            <a:noFill/>
-          </a:ln>
           <a:solidFill>
             <a:schemeClr val="tx1"/>
           </a:solidFill>
@@ -4470,9 +4410,6 @@
         <a:buNone/>
         <a:tabLst/>
         <a:defRPr b="0" baseline="0" cap="none" i="0" spc="0" strike="noStrike" sz="2400" u="none">
-          <a:ln>
-            <a:noFill/>
-          </a:ln>
           <a:solidFill>
             <a:schemeClr val="tx1"/>
           </a:solidFill>
@@ -4499,9 +4436,6 @@
         <a:buNone/>
         <a:tabLst/>
         <a:defRPr b="0" baseline="0" cap="none" i="0" spc="0" strike="noStrike" sz="2400" u="none">
-          <a:ln>
-            <a:noFill/>
-          </a:ln>
           <a:solidFill>
             <a:schemeClr val="tx1"/>
           </a:solidFill>
@@ -4528,9 +4462,6 @@
         <a:buNone/>
         <a:tabLst/>
         <a:defRPr b="0" baseline="0" cap="none" i="0" spc="0" strike="noStrike" sz="2400" u="none">
-          <a:ln>
-            <a:noFill/>
-          </a:ln>
           <a:solidFill>
             <a:schemeClr val="tx1"/>
           </a:solidFill>
@@ -4557,9 +4488,6 @@
         <a:buNone/>
         <a:tabLst/>
         <a:defRPr b="0" baseline="0" cap="none" i="0" spc="0" strike="noStrike" sz="2400" u="none">
-          <a:ln>
-            <a:noFill/>
-          </a:ln>
           <a:solidFill>
             <a:schemeClr val="tx1"/>
           </a:solidFill>
@@ -4586,9 +4514,6 @@
         <a:buNone/>
         <a:tabLst/>
         <a:defRPr b="0" baseline="0" cap="none" i="0" spc="0" strike="noStrike" sz="2400" u="none">
-          <a:ln>
-            <a:noFill/>
-          </a:ln>
           <a:solidFill>
             <a:schemeClr val="tx1"/>
           </a:solidFill>
@@ -4615,9 +4540,6 @@
         <a:buNone/>
         <a:tabLst/>
         <a:defRPr b="0" baseline="0" cap="none" i="0" spc="0" strike="noStrike" sz="2400" u="none">
-          <a:ln>
-            <a:noFill/>
-          </a:ln>
           <a:solidFill>
             <a:schemeClr val="tx1"/>
           </a:solidFill>
@@ -4644,9 +4566,6 @@
         <a:buNone/>
         <a:tabLst/>
         <a:defRPr b="0" baseline="0" cap="none" i="0" spc="0" strike="noStrike" sz="2400" u="none">
-          <a:ln>
-            <a:noFill/>
-          </a:ln>
           <a:solidFill>
             <a:schemeClr val="tx1"/>
           </a:solidFill>
@@ -4690,7 +4609,7 @@
         <p:spPr>
           <a:xfrm>
             <a:off x="406400" y="6240869"/>
-            <a:ext cx="12192001" cy="2705101"/>
+            <a:ext cx="12192000" cy="2705101"/>
           </a:xfrm>
           <a:prstGeom prst="rect">
             <a:avLst/>
@@ -4811,7 +4730,7 @@
         <p:spPr>
           <a:xfrm>
             <a:off x="303187" y="311150"/>
-            <a:ext cx="12192001" cy="723901"/>
+            <a:ext cx="12192001" cy="723900"/>
           </a:xfrm>
           <a:prstGeom prst="rect">
             <a:avLst/>
@@ -4939,6 +4858,13 @@
 <file path=ppt/slides/slide3.xml><?xml version="1.0" encoding="utf-8"?>
 <p:sld xmlns:a="http://schemas.openxmlformats.org/drawingml/2006/main" xmlns:r="http://schemas.openxmlformats.org/officeDocument/2006/relationships" xmlns:p="http://schemas.openxmlformats.org/presentationml/2006/main" xmlns:m="http://schemas.openxmlformats.org/officeDocument/2006/math" xmlns:a14="http://schemas.microsoft.com/office/drawing/2010/main" showMasterSp="1" showMasterPhAnim="1">
   <p:cSld>
+    <p:bg>
+      <p:bgPr>
+        <a:solidFill>
+          <a:srgbClr val="FFFFFF"/>
+        </a:solidFill>
+      </p:bgPr>
+    </p:bg>
     <p:spTree>
       <p:nvGrpSpPr>
         <p:cNvPr id="1" name=""/>
@@ -4964,7 +4890,7 @@
         <p:spPr>
           <a:xfrm>
             <a:off x="406400" y="311150"/>
-            <a:ext cx="12192001" cy="723901"/>
+            <a:ext cx="12192000" cy="723900"/>
           </a:xfrm>
           <a:prstGeom prst="rect">
             <a:avLst/>
@@ -5006,8 +4932,8 @@
         </p:blipFill>
         <p:spPr>
           <a:xfrm>
-            <a:off x="1021182" y="1275271"/>
-            <a:ext cx="4207626" cy="3949057"/>
+            <a:off x="157164" y="1584909"/>
+            <a:ext cx="4399739" cy="4129366"/>
           </a:xfrm>
           <a:prstGeom prst="rect">
             <a:avLst/>
@@ -5019,7 +4945,7 @@
       </p:pic>
       <p:pic>
         <p:nvPicPr>
-          <p:cNvPr id="174" name="Screen Shot 2019-05-31 at 2.02.00 PM.png" descr="Screen Shot 2019-05-31 at 2.02.00 PM.png"/>
+          <p:cNvPr id="174" name="Screen Shot 2019-07-03 at 12.55.19 PM.png" descr="Screen Shot 2019-07-03 at 12.55.19 PM.png"/>
           <p:cNvPicPr>
             <a:picLocks noChangeAspect="1"/>
           </p:cNvPicPr>
@@ -5035,8 +4961,8 @@
         </p:blipFill>
         <p:spPr>
           <a:xfrm>
-            <a:off x="6151983" y="1275271"/>
-            <a:ext cx="4785788" cy="3949057"/>
+            <a:off x="4693398" y="1098335"/>
+            <a:ext cx="3858636" cy="2609706"/>
           </a:xfrm>
           <a:prstGeom prst="rect">
             <a:avLst/>
@@ -5048,7 +4974,7 @@
       </p:pic>
       <p:pic>
         <p:nvPicPr>
-          <p:cNvPr id="175" name="Screen Shot 2019-05-31 at 2.05.31 PM.png" descr="Screen Shot 2019-05-31 at 2.05.31 PM.png"/>
+          <p:cNvPr id="175" name="Screen Shot 2019-07-03 at 12.54.48 PM.png" descr="Screen Shot 2019-07-03 at 12.54.48 PM.png"/>
           <p:cNvPicPr>
             <a:picLocks noChangeAspect="1"/>
           </p:cNvPicPr>
@@ -5064,8 +4990,124 @@
         </p:blipFill>
         <p:spPr>
           <a:xfrm>
-            <a:off x="1024251" y="5632936"/>
-            <a:ext cx="9964448" cy="4087029"/>
+            <a:off x="8741070" y="1098335"/>
+            <a:ext cx="3924013" cy="2609706"/>
+          </a:xfrm>
+          <a:prstGeom prst="rect">
+            <a:avLst/>
+          </a:prstGeom>
+          <a:ln w="12700">
+            <a:miter lim="400000"/>
+          </a:ln>
+        </p:spPr>
+      </p:pic>
+      <p:pic>
+        <p:nvPicPr>
+          <p:cNvPr id="176" name="Screen Shot 2019-07-03 at 12.55.36 PM.png" descr="Screen Shot 2019-07-03 at 12.55.36 PM.png"/>
+          <p:cNvPicPr>
+            <a:picLocks noChangeAspect="1"/>
+          </p:cNvPicPr>
+          <p:nvPr/>
+        </p:nvPicPr>
+        <p:blipFill>
+          <a:blip r:embed="rId5">
+            <a:extLst/>
+          </a:blip>
+          <a:stretch>
+            <a:fillRect/>
+          </a:stretch>
+        </p:blipFill>
+        <p:spPr>
+          <a:xfrm>
+            <a:off x="4687056" y="3872918"/>
+            <a:ext cx="3872953" cy="2729326"/>
+          </a:xfrm>
+          <a:prstGeom prst="rect">
+            <a:avLst/>
+          </a:prstGeom>
+          <a:ln w="12700">
+            <a:miter lim="400000"/>
+          </a:ln>
+        </p:spPr>
+      </p:pic>
+      <p:pic>
+        <p:nvPicPr>
+          <p:cNvPr id="177" name="Screen Shot 2019-07-03 at 12.55.00 PM.png" descr="Screen Shot 2019-07-03 at 12.55.00 PM.png"/>
+          <p:cNvPicPr>
+            <a:picLocks noChangeAspect="1"/>
+          </p:cNvPicPr>
+          <p:nvPr/>
+        </p:nvPicPr>
+        <p:blipFill>
+          <a:blip r:embed="rId6">
+            <a:extLst/>
+          </a:blip>
+          <a:stretch>
+            <a:fillRect/>
+          </a:stretch>
+        </p:blipFill>
+        <p:spPr>
+          <a:xfrm>
+            <a:off x="8690162" y="3843667"/>
+            <a:ext cx="3924014" cy="2729326"/>
+          </a:xfrm>
+          <a:prstGeom prst="rect">
+            <a:avLst/>
+          </a:prstGeom>
+          <a:ln w="12700">
+            <a:miter lim="400000"/>
+          </a:ln>
+        </p:spPr>
+      </p:pic>
+      <p:pic>
+        <p:nvPicPr>
+          <p:cNvPr id="178" name="Screen Shot 2019-07-03 at 12.54.35 PM.png" descr="Screen Shot 2019-07-03 at 12.54.35 PM.png"/>
+          <p:cNvPicPr>
+            <a:picLocks noChangeAspect="1"/>
+          </p:cNvPicPr>
+          <p:nvPr/>
+        </p:nvPicPr>
+        <p:blipFill>
+          <a:blip r:embed="rId7">
+            <a:extLst/>
+          </a:blip>
+          <a:stretch>
+            <a:fillRect/>
+          </a:stretch>
+        </p:blipFill>
+        <p:spPr>
+          <a:xfrm>
+            <a:off x="8690162" y="6772238"/>
+            <a:ext cx="3924014" cy="2720389"/>
+          </a:xfrm>
+          <a:prstGeom prst="rect">
+            <a:avLst/>
+          </a:prstGeom>
+          <a:ln w="12700">
+            <a:miter lim="400000"/>
+          </a:ln>
+        </p:spPr>
+      </p:pic>
+      <p:pic>
+        <p:nvPicPr>
+          <p:cNvPr id="179" name="Screen Shot 2019-07-03 at 1.06.23 PM.png" descr="Screen Shot 2019-07-03 at 1.06.23 PM.png"/>
+          <p:cNvPicPr>
+            <a:picLocks noChangeAspect="1"/>
+          </p:cNvPicPr>
+          <p:nvPr/>
+        </p:nvPicPr>
+        <p:blipFill>
+          <a:blip r:embed="rId8">
+            <a:extLst/>
+          </a:blip>
+          <a:stretch>
+            <a:fillRect/>
+          </a:stretch>
+        </p:blipFill>
+        <p:spPr>
+          <a:xfrm>
+            <a:off x="679982" y="6691189"/>
+            <a:ext cx="6926573" cy="2882487"/>
           </a:xfrm>
           <a:prstGeom prst="rect">
             <a:avLst/>
@@ -5087,6 +5129,13 @@
 <file path=ppt/slides/slide4.xml><?xml version="1.0" encoding="utf-8"?>
 <p:sld xmlns:a="http://schemas.openxmlformats.org/drawingml/2006/main" xmlns:r="http://schemas.openxmlformats.org/officeDocument/2006/relationships" xmlns:p="http://schemas.openxmlformats.org/presentationml/2006/main" xmlns:m="http://schemas.openxmlformats.org/officeDocument/2006/math" xmlns:a14="http://schemas.microsoft.com/office/drawing/2010/main" showMasterSp="1" showMasterPhAnim="1">
   <p:cSld>
+    <p:bg>
+      <p:bgPr>
+        <a:solidFill>
+          <a:srgbClr val="FFFFFF"/>
+        </a:solidFill>
+      </p:bgPr>
+    </p:bg>
     <p:spTree>
       <p:nvGrpSpPr>
         <p:cNvPr id="1" name=""/>
@@ -5103,7 +5152,7 @@
       </p:grpSpPr>
       <p:sp>
         <p:nvSpPr>
-          <p:cNvPr id="177" name="EXPLoratory data analysis"/>
+          <p:cNvPr id="181" name="Feature Engineering &amp; MOdeling"/>
           <p:cNvSpPr txBox="1"/>
           <p:nvPr>
             <p:ph type="title"/>
@@ -5111,8 +5160,8 @@
         </p:nvSpPr>
         <p:spPr>
           <a:xfrm>
-            <a:off x="406400" y="311149"/>
-            <a:ext cx="12192001" cy="723901"/>
+            <a:off x="406400" y="311150"/>
+            <a:ext cx="12192000" cy="723900"/>
           </a:xfrm>
           <a:prstGeom prst="rect">
             <a:avLst/>
@@ -5131,77 +5180,185 @@
           <a:p>
             <a:pPr/>
             <a:r>
-              <a:t>EXPLoratory data analysis</a:t>
+              <a:t>Feature Engineering &amp; MOdeling</a:t>
             </a:r>
           </a:p>
         </p:txBody>
       </p:sp>
+      <p:pic>
+        <p:nvPicPr>
+          <p:cNvPr id="182" name="Screen Shot 2019-07-03 at 2.38.48 PM.png" descr="Screen Shot 2019-07-03 at 2.38.48 PM.png"/>
+          <p:cNvPicPr>
+            <a:picLocks noChangeAspect="1"/>
+          </p:cNvPicPr>
+          <p:nvPr/>
+        </p:nvPicPr>
+        <p:blipFill>
+          <a:blip r:embed="rId2">
+            <a:extLst/>
+          </a:blip>
+          <a:stretch>
+            <a:fillRect/>
+          </a:stretch>
+        </p:blipFill>
+        <p:spPr>
+          <a:xfrm>
+            <a:off x="130225" y="1188817"/>
+            <a:ext cx="7204879" cy="4009496"/>
+          </a:xfrm>
+          <a:prstGeom prst="rect">
+            <a:avLst/>
+          </a:prstGeom>
+          <a:ln w="12700">
+            <a:miter lim="400000"/>
+          </a:ln>
+        </p:spPr>
+      </p:pic>
+      <p:pic>
+        <p:nvPicPr>
+          <p:cNvPr id="183" name="Screen Shot 2019-07-03 at 2.40.05 PM.png" descr="Screen Shot 2019-07-03 at 2.40.05 PM.png"/>
+          <p:cNvPicPr>
+            <a:picLocks noChangeAspect="1"/>
+          </p:cNvPicPr>
+          <p:nvPr/>
+        </p:nvPicPr>
+        <p:blipFill>
+          <a:blip r:embed="rId3">
+            <a:extLst/>
+          </a:blip>
+          <a:stretch>
+            <a:fillRect/>
+          </a:stretch>
+        </p:blipFill>
+        <p:spPr>
+          <a:xfrm>
+            <a:off x="-124706" y="5352080"/>
+            <a:ext cx="7563999" cy="4066556"/>
+          </a:xfrm>
+          <a:prstGeom prst="rect">
+            <a:avLst/>
+          </a:prstGeom>
+          <a:ln w="12700">
+            <a:miter lim="400000"/>
+          </a:ln>
+        </p:spPr>
+      </p:pic>
       <p:sp>
         <p:nvSpPr>
-          <p:cNvPr id="178" name="More missing values than initially thought…"/>
+          <p:cNvPr id="184" name="OneHotEncode Categorical Variables…"/>
           <p:cNvSpPr txBox="1"/>
-          <p:nvPr>
-            <p:ph type="body" idx="1"/>
-          </p:nvPr>
+          <p:nvPr/>
         </p:nvSpPr>
         <p:spPr>
           <a:xfrm>
-            <a:off x="303187" y="1519392"/>
-            <a:ext cx="12192001" cy="6108701"/>
+            <a:off x="7543061" y="1491400"/>
+            <a:ext cx="4841935" cy="5638801"/>
           </a:xfrm>
           <a:prstGeom prst="rect">
             <a:avLst/>
           </a:prstGeom>
+          <a:ln w="12700">
+            <a:miter lim="400000"/>
+          </a:ln>
+          <a:extLst>
+            <a:ext uri="{C572A759-6A51-4108-AA02-DFA0A04FC94B}">
+              <ma14:wrappingTextBoxFlag xmlns:ma14="http://schemas.microsoft.com/office/mac/drawingml/2011/main" val="1"/>
+            </a:ext>
+          </a:extLst>
         </p:spPr>
         <p:txBody>
-          <a:bodyPr/>
+          <a:bodyPr lIns="50800" tIns="50800" rIns="50800" bIns="50800" anchor="ctr">
+            <a:spAutoFit/>
+          </a:bodyPr>
           <a:lstStyle/>
           <a:p>
-            <a:pPr>
-              <a:defRPr>
+            <a:pPr marL="261470" indent="-261470">
+              <a:buClr>
+                <a:schemeClr val="accent1"/>
+              </a:buClr>
+              <a:buSzPct val="104999"/>
+              <a:buFont typeface="Avenir Next"/>
+              <a:buChar char="-"/>
+              <a:defRPr sz="2500">
                 <a:solidFill>
-                  <a:srgbClr val="FFFFFF"/>
+                  <a:srgbClr val="000000"/>
                 </a:solidFill>
               </a:defRPr>
             </a:pPr>
             <a:r>
-              <a:t>More missing values than initially thought</a:t>
-            </a:r>
-          </a:p>
-          <a:p>
-            <a:pPr>
-              <a:defRPr>
+              <a:t>OneHotEncode Categorical Variables</a:t>
+            </a:r>
+          </a:p>
+          <a:p>
+            <a:pPr marL="261470" indent="-261470">
+              <a:buClr>
+                <a:schemeClr val="accent1"/>
+              </a:buClr>
+              <a:buSzPct val="104999"/>
+              <a:buFont typeface="Avenir Next"/>
+              <a:buChar char="-"/>
+              <a:defRPr sz="2500">
                 <a:solidFill>
-                  <a:srgbClr val="FFFFFF"/>
+                  <a:srgbClr val="000000"/>
                 </a:solidFill>
               </a:defRPr>
             </a:pPr>
             <a:r>
-              <a:t>Need to redefine scope..</a:t>
-            </a:r>
-          </a:p>
-          <a:p>
-            <a:pPr>
-              <a:defRPr>
+              <a:t>SMOTE (Oversampling) and NearMiss (Undersampling) to resolve imbalance of data set. </a:t>
+            </a:r>
+          </a:p>
+          <a:p>
+            <a:pPr marL="261470" indent="-261470">
+              <a:buClr>
+                <a:schemeClr val="accent1"/>
+              </a:buClr>
+              <a:buSzPct val="104999"/>
+              <a:buFont typeface="Avenir Next"/>
+              <a:buChar char="-"/>
+              <a:defRPr sz="2500">
                 <a:solidFill>
-                  <a:srgbClr val="FFFFFF"/>
+                  <a:srgbClr val="000000"/>
                 </a:solidFill>
               </a:defRPr>
             </a:pPr>
             <a:r>
-              <a:t>Further analysis is needed.. </a:t>
-            </a:r>
-          </a:p>
-          <a:p>
-            <a:pPr>
-              <a:defRPr>
+              <a:t>Inherent Tradeoffs (Overfitting vs. Loss of Data)</a:t>
+            </a:r>
+          </a:p>
+          <a:p>
+            <a:pPr marL="261470" indent="-261470">
+              <a:buClr>
+                <a:schemeClr val="accent1"/>
+              </a:buClr>
+              <a:buSzPct val="104999"/>
+              <a:buFont typeface="Avenir Next"/>
+              <a:buChar char="-"/>
+              <a:defRPr sz="2500">
                 <a:solidFill>
-                  <a:srgbClr val="FFFFFF"/>
+                  <a:srgbClr val="000000"/>
                 </a:solidFill>
               </a:defRPr>
             </a:pPr>
             <a:r>
-              <a:t>Manipulation of existing </a:t>
+              <a:t>StandardScaler to Normalize Continuous Variables</a:t>
+            </a:r>
+          </a:p>
+          <a:p>
+            <a:pPr marL="261470" indent="-261470">
+              <a:buClr>
+                <a:schemeClr val="accent1"/>
+              </a:buClr>
+              <a:buSzPct val="104999"/>
+              <a:buFont typeface="Avenir Next"/>
+              <a:buChar char="-"/>
+              <a:defRPr sz="2500">
+                <a:solidFill>
+                  <a:srgbClr val="000000"/>
+                </a:solidFill>
+              </a:defRPr>
+            </a:pPr>
+            <a:r>
+              <a:t>Tested various feature sets</a:t>
             </a:r>
           </a:p>
         </p:txBody>
@@ -5234,7 +5391,7 @@
       </p:grpSpPr>
       <p:sp>
         <p:nvSpPr>
-          <p:cNvPr id="180" name="Hypothesis TEST and OUTCOME"/>
+          <p:cNvPr id="186" name="Conclusion and Next steps"/>
           <p:cNvSpPr txBox="1"/>
           <p:nvPr>
             <p:ph type="title"/>
@@ -5242,8 +5399,8 @@
         </p:nvSpPr>
         <p:spPr>
           <a:xfrm>
-            <a:off x="406400" y="311149"/>
-            <a:ext cx="12192001" cy="723901"/>
+            <a:off x="406400" y="311150"/>
+            <a:ext cx="12192000" cy="723900"/>
           </a:xfrm>
           <a:prstGeom prst="rect">
             <a:avLst/>
@@ -5262,23 +5419,23 @@
           <a:p>
             <a:pPr/>
             <a:r>
-              <a:t>Hypothesis TEST and OUTCOME</a:t>
+              <a:t>Conclusion and Next steps</a:t>
             </a:r>
           </a:p>
         </p:txBody>
       </p:sp>
       <p:sp>
         <p:nvSpPr>
-          <p:cNvPr id="181" name="Since each column only had two levels, the degrees of freedom are (#cols - 1)(#rows - 1) = 1…"/>
+          <p:cNvPr id="187" name="Recall improved with Oversampling and Undersampling but not without dip in Precision…"/>
           <p:cNvSpPr txBox="1"/>
           <p:nvPr>
-            <p:ph type="body" sz="half" idx="1"/>
+            <p:ph type="body" idx="1"/>
           </p:nvPr>
         </p:nvSpPr>
         <p:spPr>
           <a:xfrm>
-            <a:off x="406400" y="6743699"/>
-            <a:ext cx="12192000" cy="2108201"/>
+            <a:off x="406400" y="1607860"/>
+            <a:ext cx="12036087" cy="7477709"/>
           </a:xfrm>
           <a:prstGeom prst="rect">
             <a:avLst/>
@@ -5288,169 +5445,67 @@
           <a:bodyPr/>
           <a:lstStyle/>
           <a:p>
-            <a:pPr marL="177800" indent="-177800" defTabSz="233679">
-              <a:spcBef>
-                <a:spcPts val="1100"/>
-              </a:spcBef>
-              <a:defRPr sz="2200">
+            <a:pPr>
+              <a:defRPr sz="4100">
                 <a:solidFill>
-                  <a:srgbClr val="000000"/>
+                  <a:srgbClr val="FFFFFF"/>
                 </a:solidFill>
               </a:defRPr>
             </a:pPr>
             <a:r>
-              <a:t>Since each column only had two levels, the degrees of freedom are (#cols - 1)(#rows - 1) = 1</a:t>
-            </a:r>
-          </a:p>
-          <a:p>
-            <a:pPr marL="177800" indent="-177800" defTabSz="233679">
-              <a:spcBef>
-                <a:spcPts val="1100"/>
-              </a:spcBef>
-              <a:defRPr sz="2200">
+              <a:t>Recall improved with Oversampling and Undersampling but not without dip in Precision</a:t>
+            </a:r>
+          </a:p>
+          <a:p>
+            <a:pPr>
+              <a:defRPr sz="4100">
                 <a:solidFill>
-                  <a:srgbClr val="000000"/>
+                  <a:srgbClr val="FFFFFF"/>
                 </a:solidFill>
               </a:defRPr>
             </a:pPr>
             <a:r>
-              <a:t>Chi Square Test result = 39.03; p-value = 4.177 * 10 e^(-10)</a:t>
-            </a:r>
-          </a:p>
-          <a:p>
-            <a:pPr marL="177799" indent="-177799" defTabSz="233679">
-              <a:spcBef>
-                <a:spcPts val="1100"/>
-              </a:spcBef>
-              <a:defRPr sz="1880">
+              <a:t>Poor Precision-Recall Curves</a:t>
+            </a:r>
+          </a:p>
+          <a:p>
+            <a:pPr>
+              <a:defRPr sz="4100">
                 <a:solidFill>
-                  <a:srgbClr val="000000"/>
+                  <a:srgbClr val="FFFFFF"/>
                 </a:solidFill>
               </a:defRPr>
             </a:pPr>
-            <a:br/>
-            <a:br/>
-            <a:br/>
-            <a:br/>
+            <a:r>
+              <a:t>EDA !!!</a:t>
+            </a:r>
+          </a:p>
+          <a:p>
+            <a:pPr>
+              <a:defRPr sz="4100">
+                <a:solidFill>
+                  <a:srgbClr val="FFFFFF"/>
+                </a:solidFill>
+              </a:defRPr>
+            </a:pPr>
+            <a:r>
+              <a:t>Will not continue with this data set</a:t>
+            </a:r>
+          </a:p>
+          <a:p>
+            <a:pPr>
+              <a:defRPr sz="4100">
+                <a:solidFill>
+                  <a:srgbClr val="FFFFFF"/>
+                </a:solidFill>
+              </a:defRPr>
+            </a:pPr>
+            <a:r>
+              <a:t>Good data is hard to find </a:t>
+            </a:r>
           </a:p>
         </p:txBody>
       </p:sp>
-      <p:pic>
-        <p:nvPicPr>
-          <p:cNvPr id="182" name="Screen Shot 2019-05-31 at 3.24.45 PM.png" descr="Screen Shot 2019-05-31 at 3.24.45 PM.png"/>
-          <p:cNvPicPr>
-            <a:picLocks noChangeAspect="1"/>
-          </p:cNvPicPr>
-          <p:nvPr/>
-        </p:nvPicPr>
-        <p:blipFill>
-          <a:blip r:embed="rId2">
-            <a:extLst/>
-          </a:blip>
-          <a:stretch>
-            <a:fillRect/>
-          </a:stretch>
-        </p:blipFill>
-        <p:spPr>
-          <a:xfrm>
-            <a:off x="236245" y="1117599"/>
-            <a:ext cx="10213976" cy="2612381"/>
-          </a:xfrm>
-          <a:prstGeom prst="rect">
-            <a:avLst/>
-          </a:prstGeom>
-          <a:ln w="12700">
-            <a:miter lim="400000"/>
-          </a:ln>
-        </p:spPr>
-      </p:pic>
-      <p:pic>
-        <p:nvPicPr>
-          <p:cNvPr id="183" name="Screen Shot 2019-05-31 at 3.26.04 PM.png" descr="Screen Shot 2019-05-31 at 3.26.04 PM.png"/>
-          <p:cNvPicPr>
-            <a:picLocks noChangeAspect="1"/>
-          </p:cNvPicPr>
-          <p:nvPr/>
-        </p:nvPicPr>
-        <p:blipFill>
-          <a:blip r:embed="rId3">
-            <a:extLst/>
-          </a:blip>
-          <a:stretch>
-            <a:fillRect/>
-          </a:stretch>
-        </p:blipFill>
-        <p:spPr>
-          <a:xfrm>
-            <a:off x="5258879" y="2134089"/>
-            <a:ext cx="3670301" cy="2108201"/>
-          </a:xfrm>
-          <a:prstGeom prst="rect">
-            <a:avLst/>
-          </a:prstGeom>
-          <a:ln w="12700">
-            <a:miter lim="400000"/>
-          </a:ln>
-        </p:spPr>
-      </p:pic>
-      <p:pic>
-        <p:nvPicPr>
-          <p:cNvPr id="184" name="Screen Shot 2019-05-31 at 3.24.31 PM.png" descr="Screen Shot 2019-05-31 at 3.24.31 PM.png"/>
-          <p:cNvPicPr>
-            <a:picLocks noChangeAspect="1"/>
-          </p:cNvPicPr>
-          <p:nvPr/>
-        </p:nvPicPr>
-        <p:blipFill>
-          <a:blip r:embed="rId4">
-            <a:extLst/>
-          </a:blip>
-          <a:stretch>
-            <a:fillRect/>
-          </a:stretch>
-        </p:blipFill>
-        <p:spPr>
-          <a:xfrm>
-            <a:off x="632317" y="3812529"/>
-            <a:ext cx="11740166" cy="2956570"/>
-          </a:xfrm>
-          <a:prstGeom prst="rect">
-            <a:avLst/>
-          </a:prstGeom>
-          <a:ln w="12700">
-            <a:miter lim="400000"/>
-          </a:ln>
-        </p:spPr>
-      </p:pic>
-      <p:pic>
-        <p:nvPicPr>
-          <p:cNvPr id="185" name="Screen Shot 2019-05-31 at 3.37.44 PM.png" descr="Screen Shot 2019-05-31 at 3.37.44 PM.png"/>
-          <p:cNvPicPr>
-            <a:picLocks noChangeAspect="1"/>
-          </p:cNvPicPr>
-          <p:nvPr/>
-        </p:nvPicPr>
-        <p:blipFill>
-          <a:blip r:embed="rId5">
-            <a:extLst/>
-          </a:blip>
-          <a:stretch>
-            <a:fillRect/>
-          </a:stretch>
-        </p:blipFill>
-        <p:spPr>
-          <a:xfrm>
-            <a:off x="8835326" y="2413489"/>
-            <a:ext cx="3060701" cy="1549401"/>
-          </a:xfrm>
-          <a:prstGeom prst="rect">
-            <a:avLst/>
-          </a:prstGeom>
-          <a:ln w="12700">
-            <a:miter lim="400000"/>
-          </a:ln>
-        </p:spPr>
-      </p:pic>
     </p:spTree>
   </p:cSld>
   <p:clrMapOvr>
@@ -5479,7 +5534,7 @@
       </p:grpSpPr>
       <p:sp>
         <p:nvSpPr>
-          <p:cNvPr id="187" name="Conclusion and Next steps"/>
+          <p:cNvPr id="189" name="Hypothesis TEST and OUTCOME"/>
           <p:cNvSpPr txBox="1"/>
           <p:nvPr>
             <p:ph type="title"/>
@@ -5487,8 +5542,8 @@
         </p:nvSpPr>
         <p:spPr>
           <a:xfrm>
-            <a:off x="406400" y="311149"/>
-            <a:ext cx="12192001" cy="723901"/>
+            <a:off x="406400" y="311150"/>
+            <a:ext cx="12192000" cy="723900"/>
           </a:xfrm>
           <a:prstGeom prst="rect">
             <a:avLst/>
@@ -5507,23 +5562,23 @@
           <a:p>
             <a:pPr/>
             <a:r>
-              <a:t>Conclusion and Next steps</a:t>
+              <a:t>Hypothesis TEST and OUTCOME</a:t>
             </a:r>
           </a:p>
         </p:txBody>
       </p:sp>
       <p:sp>
         <p:nvSpPr>
-          <p:cNvPr id="188" name="More Analysis needed.. - Changes in medication dosage  - Analysis of ICD-9 classifications in diagnosis column and test for independence.…"/>
+          <p:cNvPr id="190" name="Since each column only had two levels, the degrees of freedom are (#cols - 1)(#rows - 1) = 1…"/>
           <p:cNvSpPr txBox="1"/>
           <p:nvPr>
-            <p:ph type="body" idx="1"/>
+            <p:ph type="body" sz="half" idx="1"/>
           </p:nvPr>
         </p:nvSpPr>
         <p:spPr>
           <a:xfrm>
-            <a:off x="406400" y="1607860"/>
-            <a:ext cx="12036087" cy="7477709"/>
+            <a:off x="406400" y="6743700"/>
+            <a:ext cx="12192000" cy="2108200"/>
           </a:xfrm>
           <a:prstGeom prst="rect">
             <a:avLst/>
@@ -5533,39 +5588,140 @@
           <a:bodyPr/>
           <a:lstStyle/>
           <a:p>
-            <a:pPr>
-              <a:defRPr>
+            <a:pPr marL="177800" indent="-177800" defTabSz="233679">
+              <a:spcBef>
+                <a:spcPts val="1100"/>
+              </a:spcBef>
+              <a:defRPr sz="2200">
                 <a:solidFill>
-                  <a:srgbClr val="FFFFFF"/>
+                  <a:srgbClr val="000000"/>
                 </a:solidFill>
               </a:defRPr>
             </a:pPr>
             <a:r>
-              <a:t>More Analysis needed..</a:t>
-            </a:r>
-            <a:br/>
-            <a:r>
-              <a:t>- Changes in medication dosage </a:t>
-            </a:r>
-            <a:br/>
-            <a:r>
-              <a:t>- Analysis of ICD-9 classifications in diagnosis column and test for independence. </a:t>
-            </a:r>
-          </a:p>
-          <a:p>
-            <a:pPr>
-              <a:defRPr>
+              <a:t>Since each column only had two levels, the degrees of freedom are (#cols - 1)(#rows - 1) = 1</a:t>
+            </a:r>
+          </a:p>
+          <a:p>
+            <a:pPr marL="177800" indent="-177800" defTabSz="233679">
+              <a:spcBef>
+                <a:spcPts val="1100"/>
+              </a:spcBef>
+              <a:defRPr sz="2200">
                 <a:solidFill>
-                  <a:srgbClr val="FFFFFF"/>
+                  <a:srgbClr val="000000"/>
                 </a:solidFill>
               </a:defRPr>
             </a:pPr>
             <a:r>
-              <a:t>Logistic Regression, </a:t>
-            </a:r>
+              <a:t>Chi Square Test result = 39.03; p-value = 4.177 * e^(-10)</a:t>
+            </a:r>
+          </a:p>
+          <a:p>
+            <a:pPr marL="177799" indent="-177799" defTabSz="233679">
+              <a:spcBef>
+                <a:spcPts val="1100"/>
+              </a:spcBef>
+              <a:defRPr sz="1880">
+                <a:solidFill>
+                  <a:srgbClr val="000000"/>
+                </a:solidFill>
+              </a:defRPr>
+            </a:pPr>
+            <a:br/>
+            <a:br/>
+            <a:br/>
+            <a:br/>
           </a:p>
         </p:txBody>
       </p:sp>
+      <p:pic>
+        <p:nvPicPr>
+          <p:cNvPr id="191" name="Screen Shot 2019-05-31 at 3.24.45 PM.png" descr="Screen Shot 2019-05-31 at 3.24.45 PM.png"/>
+          <p:cNvPicPr>
+            <a:picLocks noChangeAspect="1"/>
+          </p:cNvPicPr>
+          <p:nvPr/>
+        </p:nvPicPr>
+        <p:blipFill>
+          <a:blip r:embed="rId2">
+            <a:extLst/>
+          </a:blip>
+          <a:stretch>
+            <a:fillRect/>
+          </a:stretch>
+        </p:blipFill>
+        <p:spPr>
+          <a:xfrm>
+            <a:off x="236245" y="1117600"/>
+            <a:ext cx="10213976" cy="2612380"/>
+          </a:xfrm>
+          <a:prstGeom prst="rect">
+            <a:avLst/>
+          </a:prstGeom>
+          <a:ln w="12700">
+            <a:miter lim="400000"/>
+          </a:ln>
+        </p:spPr>
+      </p:pic>
+      <p:pic>
+        <p:nvPicPr>
+          <p:cNvPr id="192" name="Screen Shot 2019-05-31 at 3.24.31 PM.png" descr="Screen Shot 2019-05-31 at 3.24.31 PM.png"/>
+          <p:cNvPicPr>
+            <a:picLocks noChangeAspect="1"/>
+          </p:cNvPicPr>
+          <p:nvPr/>
+        </p:nvPicPr>
+        <p:blipFill>
+          <a:blip r:embed="rId3">
+            <a:extLst/>
+          </a:blip>
+          <a:stretch>
+            <a:fillRect/>
+          </a:stretch>
+        </p:blipFill>
+        <p:spPr>
+          <a:xfrm>
+            <a:off x="632317" y="3812529"/>
+            <a:ext cx="11740166" cy="2956570"/>
+          </a:xfrm>
+          <a:prstGeom prst="rect">
+            <a:avLst/>
+          </a:prstGeom>
+          <a:ln w="12700">
+            <a:miter lim="400000"/>
+          </a:ln>
+        </p:spPr>
+      </p:pic>
+      <p:pic>
+        <p:nvPicPr>
+          <p:cNvPr id="193" name="Screen Shot 2019-05-31 at 3.37.44 PM.png" descr="Screen Shot 2019-05-31 at 3.37.44 PM.png"/>
+          <p:cNvPicPr>
+            <a:picLocks noChangeAspect="1"/>
+          </p:cNvPicPr>
+          <p:nvPr/>
+        </p:nvPicPr>
+        <p:blipFill>
+          <a:blip r:embed="rId4">
+            <a:extLst/>
+          </a:blip>
+          <a:stretch>
+            <a:fillRect/>
+          </a:stretch>
+        </p:blipFill>
+        <p:spPr>
+          <a:xfrm>
+            <a:off x="7139689" y="2192319"/>
+            <a:ext cx="3060701" cy="1549401"/>
+          </a:xfrm>
+          <a:prstGeom prst="rect">
+            <a:avLst/>
+          </a:prstGeom>
+          <a:ln w="12700">
+            <a:miter lim="400000"/>
+          </a:ln>
+        </p:spPr>
+      </p:pic>
     </p:spTree>
   </p:cSld>
   <p:clrMapOvr>
